--- a/2021-04-12to04-16 (A5) C53517 SoftMARS/20_12v01_MarsBaseAlpha_OpeningBriefing.pptx
+++ b/2021-04-12to04-16 (A5) C53517 SoftMARS/20_12v01_MarsBaseAlpha_OpeningBriefing.pptx
@@ -261,7 +261,7 @@
           <a:p>
             <a:fld id="{F319E496-E8FF-4856-B08F-DBE14D18B236}" type="datetimeFigureOut">
               <a:rPr lang="en-US" smtClean="0"/>
-              <a:t>1/21/2022</a:t>
+              <a:t>1/29/2022</a:t>
             </a:fld>
             <a:endParaRPr lang="en-US"/>
           </a:p>
@@ -438,7 +438,7 @@
           <a:p>
             <a:fld id="{4572F63B-EF0F-9942-98B2-F67CC88AF236}" type="datetimeFigureOut">
               <a:rPr lang="en-US" smtClean="0"/>
-              <a:t>1/21/2022</a:t>
+              <a:t>1/29/2022</a:t>
             </a:fld>
             <a:endParaRPr lang="en-US"/>
           </a:p>
@@ -1583,7 +1583,7 @@
               </a14:hiddenLine>
             </a:ext>
             <a:ext uri="{FAA26D3D-D897-4be2-8F04-BA451C77F1D7}">
-              <ma14:placeholderFlag xmlns="" xmlns:ma14="http://schemas.microsoft.com/office/mac/drawingml/2011/main" val="1"/>
+              <ma14:placeholderFlag xmlns:ma14="http://schemas.microsoft.com/office/mac/drawingml/2011/main" xmlns="" val="1"/>
             </a:ext>
           </a:extLst>
         </p:spPr>
@@ -2031,7 +2031,7 @@
               </a14:hiddenLine>
             </a:ext>
             <a:ext uri="{FAA26D3D-D897-4be2-8F04-BA451C77F1D7}">
-              <ma14:placeholderFlag xmlns="" xmlns:ma14="http://schemas.microsoft.com/office/mac/drawingml/2011/main" val="1"/>
+              <ma14:placeholderFlag xmlns:ma14="http://schemas.microsoft.com/office/mac/drawingml/2011/main" xmlns="" val="1"/>
             </a:ext>
           </a:extLst>
         </p:spPr>
@@ -2285,7 +2285,7 @@
               </a14:hiddenLine>
             </a:ext>
             <a:ext uri="{FAA26D3D-D897-4be2-8F04-BA451C77F1D7}">
-              <ma14:placeholderFlag xmlns="" xmlns:ma14="http://schemas.microsoft.com/office/mac/drawingml/2011/main" val="1"/>
+              <ma14:placeholderFlag xmlns:ma14="http://schemas.microsoft.com/office/mac/drawingml/2011/main" xmlns="" val="1"/>
             </a:ext>
           </a:extLst>
         </p:spPr>
@@ -2539,7 +2539,7 @@
               </a14:hiddenLine>
             </a:ext>
             <a:ext uri="{FAA26D3D-D897-4be2-8F04-BA451C77F1D7}">
-              <ma14:placeholderFlag xmlns="" xmlns:ma14="http://schemas.microsoft.com/office/mac/drawingml/2011/main" val="1"/>
+              <ma14:placeholderFlag xmlns:ma14="http://schemas.microsoft.com/office/mac/drawingml/2011/main" xmlns="" val="1"/>
             </a:ext>
           </a:extLst>
         </p:spPr>
@@ -3068,7 +3068,7 @@
               </a14:hiddenLine>
             </a:ext>
             <a:ext uri="{FAA26D3D-D897-4be2-8F04-BA451C77F1D7}">
-              <ma14:placeholderFlag xmlns="" xmlns:ma14="http://schemas.microsoft.com/office/mac/drawingml/2011/main" val="1"/>
+              <ma14:placeholderFlag xmlns:ma14="http://schemas.microsoft.com/office/mac/drawingml/2011/main" xmlns="" val="1"/>
             </a:ext>
           </a:extLst>
         </p:spPr>
@@ -5615,14 +5615,14 @@
           </a:ln>
           <a:extLst>
             <a:ext uri="{909E8E84-426E-40dd-AFC4-6F175D3DCCD1}">
-              <a14:hiddenFill xmlns:a14="http://schemas.microsoft.com/office/drawing/2010/main" xmlns="">
+              <a14:hiddenFill xmlns="" xmlns:a14="http://schemas.microsoft.com/office/drawing/2010/main">
                 <a:solidFill>
                   <a:schemeClr val="accent1"/>
                 </a:solidFill>
               </a14:hiddenFill>
             </a:ext>
             <a:ext uri="{91240B29-F687-4f45-9708-019B960494DF}">
-              <a14:hiddenLine xmlns:a14="http://schemas.microsoft.com/office/drawing/2010/main" xmlns="" w="9525">
+              <a14:hiddenLine xmlns="" xmlns:a14="http://schemas.microsoft.com/office/drawing/2010/main" w="9525">
                 <a:solidFill>
                   <a:schemeClr val="tx1"/>
                 </a:solidFill>
@@ -6468,7 +6468,7 @@
           <a:graphicData uri="http://schemas.openxmlformats.org/presentationml/2006/ole">
             <mc:AlternateContent xmlns:mc="http://schemas.openxmlformats.org/markup-compatibility/2006">
               <mc:Choice xmlns:v="urn:schemas-microsoft-com:vml" Requires="v">
-                <p:oleObj spid="_x0000_s1038" name="Macro-Enabled Worksheet" r:id="rId3" imgW="5196769" imgH="2933810" progId="Excel.SheetMacroEnabled.12">
+                <p:oleObj spid="_x0000_s1041" name="Macro-Enabled Worksheet" r:id="rId3" imgW="5196769" imgH="2933810" progId="Excel.SheetMacroEnabled.12">
                   <p:link updateAutomatic="1"/>
                 </p:oleObj>
               </mc:Choice>
@@ -6531,7 +6531,7 @@
           <a:graphicData uri="http://schemas.openxmlformats.org/presentationml/2006/ole">
             <mc:AlternateContent xmlns:mc="http://schemas.openxmlformats.org/markup-compatibility/2006">
               <mc:Choice xmlns:v="urn:schemas-microsoft-com:vml" Requires="v">
-                <p:oleObj spid="_x0000_s1039" name="Macro-Enabled Worksheet" r:id="rId5" imgW="5196769" imgH="670670" progId="Excel.SheetMacroEnabled.12">
+                <p:oleObj spid="_x0000_s1042" name="Macro-Enabled Worksheet" r:id="rId5" imgW="5196769" imgH="670670" progId="Excel.SheetMacroEnabled.12">
                   <p:link updateAutomatic="1"/>
                 </p:oleObj>
               </mc:Choice>
@@ -6594,7 +6594,7 @@
           <a:graphicData uri="http://schemas.openxmlformats.org/presentationml/2006/ole">
             <mc:AlternateContent xmlns:mc="http://schemas.openxmlformats.org/markup-compatibility/2006">
               <mc:Choice xmlns:v="urn:schemas-microsoft-com:vml" Requires="v">
-                <p:oleObj spid="_x0000_s1040" name="Macro-Enabled Worksheet" r:id="rId7" imgW="5196769" imgH="274461" progId="Excel.SheetMacroEnabled.12">
+                <p:oleObj spid="_x0000_s1043" name="Macro-Enabled Worksheet" r:id="rId7" imgW="5196769" imgH="274461" progId="Excel.SheetMacroEnabled.12">
                   <p:link updateAutomatic="1"/>
                 </p:oleObj>
               </mc:Choice>
@@ -7035,7 +7035,7 @@
           <a:graphicData uri="http://schemas.openxmlformats.org/presentationml/2006/ole">
             <mc:AlternateContent xmlns:mc="http://schemas.openxmlformats.org/markup-compatibility/2006">
               <mc:Choice xmlns:v="urn:schemas-microsoft-com:vml" Requires="v">
-                <p:oleObj spid="_x0000_s5126" name="Macro-Enabled Worksheet" r:id="rId4" imgW="8244911" imgH="2110850" progId="Excel.SheetMacroEnabled.12">
+                <p:oleObj spid="_x0000_s5127" name="Macro-Enabled Worksheet" r:id="rId4" imgW="8244911" imgH="2110850" progId="Excel.SheetMacroEnabled.12">
                   <p:link updateAutomatic="1"/>
                 </p:oleObj>
               </mc:Choice>
@@ -7159,7 +7159,7 @@
           <a:graphicData uri="http://schemas.openxmlformats.org/presentationml/2006/ole">
             <mc:AlternateContent xmlns:mc="http://schemas.openxmlformats.org/markup-compatibility/2006">
               <mc:Choice xmlns:v="urn:schemas-microsoft-com:vml" Requires="v">
-                <p:oleObj spid="_x0000_s6150" name="Macro-Enabled Worksheet" r:id="rId4" imgW="9928683" imgH="5722541" progId="Excel.SheetMacroEnabled.12">
+                <p:oleObj spid="_x0000_s6151" name="Macro-Enabled Worksheet" r:id="rId4" imgW="9928683" imgH="5722541" progId="Excel.SheetMacroEnabled.12">
                   <p:link updateAutomatic="1"/>
                 </p:oleObj>
               </mc:Choice>
@@ -7278,7 +7278,7 @@
           <a:graphicData uri="http://schemas.openxmlformats.org/presentationml/2006/ole">
             <mc:AlternateContent xmlns:mc="http://schemas.openxmlformats.org/markup-compatibility/2006">
               <mc:Choice xmlns:v="urn:schemas-microsoft-com:vml" Requires="v">
-                <p:oleObj spid="_x0000_s7174" name="Macro-Enabled Worksheet" r:id="rId4" imgW="8244911" imgH="358030" progId="Excel.SheetMacroEnabled.12">
+                <p:oleObj spid="_x0000_s7175" name="Macro-Enabled Worksheet" r:id="rId4" imgW="8244911" imgH="358030" progId="Excel.SheetMacroEnabled.12">
                   <p:link updateAutomatic="1"/>
                 </p:oleObj>
               </mc:Choice>
@@ -7397,7 +7397,7 @@
           <a:graphicData uri="http://schemas.openxmlformats.org/presentationml/2006/ole">
             <mc:AlternateContent xmlns:mc="http://schemas.openxmlformats.org/markup-compatibility/2006">
               <mc:Choice xmlns:v="urn:schemas-microsoft-com:vml" Requires="v">
-                <p:oleObj spid="_x0000_s8198" name="Macro-Enabled Worksheet" r:id="rId4" imgW="13403403" imgH="4008324" progId="Excel.SheetMacroEnabled.12">
+                <p:oleObj spid="_x0000_s8199" name="Macro-Enabled Worksheet" r:id="rId4" imgW="13403403" imgH="4008324" progId="Excel.SheetMacroEnabled.12">
                   <p:link updateAutomatic="1"/>
                 </p:oleObj>
               </mc:Choice>
@@ -7490,7 +7490,7 @@
           <a:graphicData uri="http://schemas.openxmlformats.org/presentationml/2006/ole">
             <mc:AlternateContent xmlns:mc="http://schemas.openxmlformats.org/markup-compatibility/2006">
               <mc:Choice xmlns:v="urn:schemas-microsoft-com:vml" Requires="v">
-                <p:oleObj spid="_x0000_s9222" name="Macro-Enabled Worksheet" r:id="rId3" imgW="11186302" imgH="3474673" progId="Excel.SheetMacroEnabled.12">
+                <p:oleObj spid="_x0000_s9223" name="Macro-Enabled Worksheet" r:id="rId3" imgW="11186302" imgH="3474673" progId="Excel.SheetMacroEnabled.12">
                   <p:link updateAutomatic="1"/>
                 </p:oleObj>
               </mc:Choice>
@@ -7617,7 +7617,7 @@
           <a:graphicData uri="http://schemas.openxmlformats.org/presentationml/2006/ole">
             <mc:AlternateContent xmlns:mc="http://schemas.openxmlformats.org/markup-compatibility/2006">
               <mc:Choice xmlns:v="urn:schemas-microsoft-com:vml" Requires="v">
-                <p:oleObj spid="_x0000_s10246" name="Macro-Enabled Worksheet" r:id="rId3" imgW="11186302" imgH="3474673" progId="Excel.SheetMacroEnabled.12">
+                <p:oleObj spid="_x0000_s10247" name="Macro-Enabled Worksheet" r:id="rId3" imgW="11186302" imgH="3474673" progId="Excel.SheetMacroEnabled.12">
                   <p:link updateAutomatic="1"/>
                 </p:oleObj>
               </mc:Choice>
@@ -7818,7 +7818,7 @@
           <a:graphicData uri="http://schemas.openxmlformats.org/presentationml/2006/ole">
             <mc:AlternateContent xmlns:mc="http://schemas.openxmlformats.org/markup-compatibility/2006">
               <mc:Choice xmlns:v="urn:schemas-microsoft-com:vml" Requires="v">
-                <p:oleObj spid="_x0000_s11274" name="Macro-Enabled Worksheet" r:id="rId4" imgW="12489003" imgH="9060196" progId="Excel.SheetMacroEnabled.12">
+                <p:oleObj spid="_x0000_s11276" name="Macro-Enabled Worksheet" r:id="rId4" imgW="12489003" imgH="9060196" progId="Excel.SheetMacroEnabled.12">
                   <p:link updateAutomatic="1"/>
                 </p:oleObj>
               </mc:Choice>
@@ -7941,36 +7941,6 @@
           </a:p>
         </p:txBody>
       </p:sp>
-      <p:pic>
-        <p:nvPicPr>
-          <p:cNvPr id="5" name="Picture 4">
-            <a:extLst>
-              <a:ext uri="{FF2B5EF4-FFF2-40B4-BE49-F238E27FC236}">
-                <a16:creationId xmlns:a16="http://schemas.microsoft.com/office/drawing/2014/main" id="{F63E2526-F2F3-4DC1-B245-4981CAC56AA8}"/>
-              </a:ext>
-            </a:extLst>
-          </p:cNvPr>
-          <p:cNvPicPr>
-            <a:picLocks noChangeAspect="1"/>
-          </p:cNvPicPr>
-          <p:nvPr/>
-        </p:nvPicPr>
-        <p:blipFill>
-          <a:blip r:embed="rId6"/>
-          <a:stretch>
-            <a:fillRect/>
-          </a:stretch>
-        </p:blipFill>
-        <p:spPr>
-          <a:xfrm>
-            <a:off x="9382702" y="1151803"/>
-            <a:ext cx="1672705" cy="2277197"/>
-          </a:xfrm>
-          <a:prstGeom prst="rect">
-            <a:avLst/>
-          </a:prstGeom>
-        </p:spPr>
-      </p:pic>
       <p:graphicFrame>
         <p:nvGraphicFramePr>
           <p:cNvPr id="10" name="Object 9">
@@ -7999,12 +7969,12 @@
           <a:graphicData uri="http://schemas.openxmlformats.org/presentationml/2006/ole">
             <mc:AlternateContent xmlns:mc="http://schemas.openxmlformats.org/markup-compatibility/2006">
               <mc:Choice xmlns:v="urn:schemas-microsoft-com:vml" Requires="v">
-                <p:oleObj spid="_x0000_s11275" name="Macro-Enabled Worksheet" r:id="rId7" imgW="3330117" imgH="7636" progId="Excel.SheetMacroEnabled.12">
+                <p:oleObj spid="_x0000_s11277" name="Macro-Enabled Worksheet" r:id="rId6" imgW="3330117" imgH="7636" progId="Excel.SheetMacroEnabled.12">
                   <p:link updateAutomatic="1"/>
                 </p:oleObj>
               </mc:Choice>
               <mc:Fallback>
-                <p:oleObj name="Macro-Enabled Worksheet" r:id="rId7" imgW="3330117" imgH="7636" progId="Excel.SheetMacroEnabled.12">
+                <p:oleObj name="Macro-Enabled Worksheet" r:id="rId6" imgW="3330117" imgH="7636" progId="Excel.SheetMacroEnabled.12">
                   <p:link updateAutomatic="1"/>
                   <p:pic>
                     <p:nvPicPr>
@@ -8013,7 +7983,7 @@
                       <p:nvPr/>
                     </p:nvPicPr>
                     <p:blipFill>
-                      <a:blip r:embed="rId8"/>
+                      <a:blip r:embed="rId7"/>
                       <a:stretch>
                         <a:fillRect/>
                       </a:stretch>
@@ -8034,6 +8004,36 @@
           </a:graphicData>
         </a:graphic>
       </p:graphicFrame>
+      <p:pic>
+        <p:nvPicPr>
+          <p:cNvPr id="7" name="Picture 6">
+            <a:extLst>
+              <a:ext uri="{FF2B5EF4-FFF2-40B4-BE49-F238E27FC236}">
+                <a16:creationId xmlns:a16="http://schemas.microsoft.com/office/drawing/2014/main" id="{AA9BF04E-9042-4397-8AD5-790E790EB2D0}"/>
+              </a:ext>
+            </a:extLst>
+          </p:cNvPr>
+          <p:cNvPicPr>
+            <a:picLocks noChangeAspect="1"/>
+          </p:cNvPicPr>
+          <p:nvPr/>
+        </p:nvPicPr>
+        <p:blipFill>
+          <a:blip r:embed="rId8"/>
+          <a:stretch>
+            <a:fillRect/>
+          </a:stretch>
+        </p:blipFill>
+        <p:spPr>
+          <a:xfrm>
+            <a:off x="9611360" y="2020570"/>
+            <a:ext cx="1723565" cy="2134870"/>
+          </a:xfrm>
+          <a:prstGeom prst="rect">
+            <a:avLst/>
+          </a:prstGeom>
+        </p:spPr>
+      </p:pic>
     </p:spTree>
     <p:extLst>
       <p:ext uri="{BB962C8B-B14F-4D97-AF65-F5344CB8AC3E}">
@@ -9112,7 +9112,7 @@
           <a:graphicData uri="http://schemas.openxmlformats.org/presentationml/2006/ole">
             <mc:AlternateContent xmlns:mc="http://schemas.openxmlformats.org/markup-compatibility/2006">
               <mc:Choice xmlns:v="urn:schemas-microsoft-com:vml" Requires="v">
-                <p:oleObj spid="_x0000_s12294" name="Macro-Enabled Worksheet" r:id="rId3" imgW="7437262" imgH="3177729" progId="Excel.SheetMacroEnabled.12">
+                <p:oleObj spid="_x0000_s12295" name="Macro-Enabled Worksheet" r:id="rId3" imgW="7437262" imgH="3177729" progId="Excel.SheetMacroEnabled.12">
                   <p:link updateAutomatic="1"/>
                 </p:oleObj>
               </mc:Choice>
@@ -9238,7 +9238,7 @@
           <a:graphicData uri="http://schemas.openxmlformats.org/presentationml/2006/ole">
             <mc:AlternateContent xmlns:mc="http://schemas.openxmlformats.org/markup-compatibility/2006">
               <mc:Choice xmlns:v="urn:schemas-microsoft-com:vml" Requires="v">
-                <p:oleObj spid="_x0000_s13318" name="Macro-Enabled Worksheet" r:id="rId3" imgW="8244911" imgH="2819274" progId="Excel.SheetMacroEnabled.12">
+                <p:oleObj spid="_x0000_s13319" name="Macro-Enabled Worksheet" r:id="rId3" imgW="8244911" imgH="2819274" progId="Excel.SheetMacroEnabled.12">
                   <p:link updateAutomatic="1"/>
                 </p:oleObj>
               </mc:Choice>
@@ -11303,7 +11303,7 @@
           <a:graphicData uri="http://schemas.openxmlformats.org/presentationml/2006/ole">
             <mc:AlternateContent xmlns:mc="http://schemas.openxmlformats.org/markup-compatibility/2006">
               <mc:Choice xmlns:v="urn:schemas-microsoft-com:vml" Requires="v">
-                <p:oleObj spid="_x0000_s2054" name="Macro-Enabled Worksheet" r:id="rId4" imgW="8244911" imgH="1432544" progId="Excel.SheetMacroEnabled.12">
+                <p:oleObj spid="_x0000_s2055" name="Macro-Enabled Worksheet" r:id="rId4" imgW="8244911" imgH="1432544" progId="Excel.SheetMacroEnabled.12">
                   <p:link updateAutomatic="1"/>
                 </p:oleObj>
               </mc:Choice>
@@ -11426,7 +11426,7 @@
           <a:graphicData uri="http://schemas.openxmlformats.org/presentationml/2006/ole">
             <mc:AlternateContent xmlns:mc="http://schemas.openxmlformats.org/markup-compatibility/2006">
               <mc:Choice xmlns:v="urn:schemas-microsoft-com:vml" Requires="v">
-                <p:oleObj spid="_x0000_s3078" name="Macro-Enabled Worksheet" r:id="rId4" imgW="8244911" imgH="1584834" progId="Excel.SheetMacroEnabled.12">
+                <p:oleObj spid="_x0000_s3079" name="Macro-Enabled Worksheet" r:id="rId4" imgW="8244911" imgH="1584834" progId="Excel.SheetMacroEnabled.12">
                   <p:link updateAutomatic="1"/>
                 </p:oleObj>
               </mc:Choice>
@@ -11569,7 +11569,7 @@
           <a:graphicData uri="http://schemas.openxmlformats.org/presentationml/2006/ole">
             <mc:AlternateContent xmlns:mc="http://schemas.openxmlformats.org/markup-compatibility/2006">
               <mc:Choice xmlns:v="urn:schemas-microsoft-com:vml" Requires="v">
-                <p:oleObj spid="_x0000_s4102" name="Macro-Enabled Worksheet" r:id="rId4" imgW="7437262" imgH="1394366" progId="Excel.SheetMacroEnabled.12">
+                <p:oleObj spid="_x0000_s4103" name="Macro-Enabled Worksheet" r:id="rId4" imgW="7437262" imgH="1394366" progId="Excel.SheetMacroEnabled.12">
                   <p:link updateAutomatic="1"/>
                 </p:oleObj>
               </mc:Choice>
@@ -12768,6 +12768,15 @@
 </file>
 
 <file path=customXml/item1.xml><?xml version="1.0" encoding="utf-8"?>
+<?mso-contentType ?>
+<FormTemplates xmlns="http://schemas.microsoft.com/sharepoint/v3/contenttype/forms">
+  <Display>DocumentLibraryForm</Display>
+  <Edit>DocumentLibraryForm</Edit>
+  <New>DocumentLibraryForm</New>
+</FormTemplates>
+</file>
+
+<file path=customXml/item2.xml><?xml version="1.0" encoding="utf-8"?>
 <ct:contentTypeSchema xmlns:ct="http://schemas.microsoft.com/office/2006/metadata/contentType" xmlns:ma="http://schemas.microsoft.com/office/2006/metadata/properties/metaAttributes" ct:_="" ma:_="" ma:contentTypeName="Document" ma:contentTypeID="0x0101001F513751AC33344AB32CFD2920EFE649" ma:contentTypeVersion="11" ma:contentTypeDescription="Create a new document." ma:contentTypeScope="" ma:versionID="683516f7d70434a0e4dbd6c476be8d5b">
   <xsd:schema xmlns:xsd="http://www.w3.org/2001/XMLSchema" xmlns:xs="http://www.w3.org/2001/XMLSchema" xmlns:p="http://schemas.microsoft.com/office/2006/metadata/properties" xmlns:ns2="72e3a154-4955-46c3-9573-e9dec3e1f195" xmlns:ns3="ec500478-62e0-46fc-87f1-cfa988e486b4" targetNamespace="http://schemas.microsoft.com/office/2006/metadata/properties" ma:root="true" ma:fieldsID="cf4a15c6a1eec5dbba94230cc6a50510" ns2:_="" ns3:_="">
     <xsd:import namespace="72e3a154-4955-46c3-9573-e9dec3e1f195"/>
@@ -12978,15 +12987,6 @@
 </ct:contentTypeSchema>
 </file>
 
-<file path=customXml/item2.xml><?xml version="1.0" encoding="utf-8"?>
-<?mso-contentType ?>
-<FormTemplates xmlns="http://schemas.microsoft.com/sharepoint/v3/contenttype/forms">
-  <Display>DocumentLibraryForm</Display>
-  <Edit>DocumentLibraryForm</Edit>
-  <New>DocumentLibraryForm</New>
-</FormTemplates>
-</file>
-
 <file path=customXml/item3.xml><?xml version="1.0" encoding="utf-8"?>
 <p:properties xmlns:p="http://schemas.microsoft.com/office/2006/metadata/properties" xmlns:xsi="http://www.w3.org/2001/XMLSchema-instance" xmlns:pc="http://schemas.microsoft.com/office/infopath/2007/PartnerControls">
   <documentManagement/>
@@ -12994,6 +12994,14 @@
 </file>
 
 <file path=customXml/itemProps1.xml><?xml version="1.0" encoding="utf-8"?>
+<ds:datastoreItem xmlns:ds="http://schemas.openxmlformats.org/officeDocument/2006/customXml" ds:itemID="{B8B49826-D5EE-4D24-B649-7C3A19B527D2}">
+  <ds:schemaRefs>
+    <ds:schemaRef ds:uri="http://schemas.microsoft.com/sharepoint/v3/contenttype/forms"/>
+  </ds:schemaRefs>
+</ds:datastoreItem>
+</file>
+
+<file path=customXml/itemProps2.xml><?xml version="1.0" encoding="utf-8"?>
 <ds:datastoreItem xmlns:ds="http://schemas.openxmlformats.org/officeDocument/2006/customXml" ds:itemID="{153C8246-6D75-4965-9C67-AB8DC9AA7365}">
   <ds:schemaRefs>
     <ds:schemaRef ds:uri="http://schemas.microsoft.com/office/2006/metadata/contentType"/>
@@ -13008,14 +13016,6 @@
     <ds:schemaRef ds:uri="http://purl.org/dc/elements/1.1/"/>
     <ds:schemaRef ds:uri="http://purl.org/dc/terms/"/>
     <ds:schemaRef ds:uri="http://schemas.microsoft.com/internal/obd"/>
-  </ds:schemaRefs>
-</ds:datastoreItem>
-</file>
-
-<file path=customXml/itemProps2.xml><?xml version="1.0" encoding="utf-8"?>
-<ds:datastoreItem xmlns:ds="http://schemas.openxmlformats.org/officeDocument/2006/customXml" ds:itemID="{B8B49826-D5EE-4D24-B649-7C3A19B527D2}">
-  <ds:schemaRefs>
-    <ds:schemaRef ds:uri="http://schemas.microsoft.com/sharepoint/v3/contenttype/forms"/>
   </ds:schemaRefs>
 </ds:datastoreItem>
 </file>
